--- a/LIFPROJET RC1 oral.pptx
+++ b/LIFPROJET RC1 oral.pptx
@@ -5,7 +5,7 @@
     <p:sldMasterId id="2147483659" r:id="rId1"/>
   </p:sldMasterIdLst>
   <p:notesMasterIdLst>
-    <p:notesMasterId r:id="rId13"/>
+    <p:notesMasterId r:id="rId11"/>
   </p:notesMasterIdLst>
   <p:sldIdLst>
     <p:sldId id="256" r:id="rId2"/>
@@ -16,19 +16,17 @@
     <p:sldId id="302" r:id="rId7"/>
     <p:sldId id="317" r:id="rId8"/>
     <p:sldId id="318" r:id="rId9"/>
-    <p:sldId id="319" r:id="rId10"/>
-    <p:sldId id="320" r:id="rId11"/>
-    <p:sldId id="285" r:id="rId12"/>
+    <p:sldId id="320" r:id="rId10"/>
   </p:sldIdLst>
   <p:sldSz cx="9144000" cy="5143500" type="screen16x9"/>
   <p:notesSz cx="6858000" cy="9144000"/>
   <p:embeddedFontLst>
     <p:embeddedFont>
       <p:font typeface="Roboto" panose="020B0604020202020204" charset="0"/>
-      <p:regular r:id="rId14"/>
-      <p:bold r:id="rId15"/>
-      <p:italic r:id="rId16"/>
-      <p:boldItalic r:id="rId17"/>
+      <p:regular r:id="rId12"/>
+      <p:bold r:id="rId13"/>
+      <p:italic r:id="rId14"/>
+      <p:boldItalic r:id="rId15"/>
     </p:embeddedFont>
   </p:embeddedFontLst>
   <p:defaultTextStyle>
@@ -657,224 +655,6 @@
 </p:notes>
 </file>
 
-<file path=ppt/notesSlides/notesSlide10.xml><?xml version="1.0" encoding="utf-8"?>
-<p:notes xmlns:a="http://schemas.openxmlformats.org/drawingml/2006/main" xmlns:r="http://schemas.openxmlformats.org/officeDocument/2006/relationships" xmlns:p="http://schemas.openxmlformats.org/presentationml/2006/main" showMasterSp="0" showMasterPhAnim="0">
-  <p:cSld>
-    <p:spTree>
-      <p:nvGrpSpPr>
-        <p:cNvPr id="1" name="Shape 74"/>
-        <p:cNvGrpSpPr/>
-        <p:nvPr/>
-      </p:nvGrpSpPr>
-      <p:grpSpPr>
-        <a:xfrm>
-          <a:off x="0" y="0"/>
-          <a:ext cx="0" cy="0"/>
-          <a:chOff x="0" y="0"/>
-          <a:chExt cx="0" cy="0"/>
-        </a:xfrm>
-      </p:grpSpPr>
-      <p:sp>
-        <p:nvSpPr>
-          <p:cNvPr id="75" name="Shape 75"/>
-          <p:cNvSpPr>
-            <a:spLocks noGrp="1" noRot="1" noChangeAspect="1"/>
-          </p:cNvSpPr>
-          <p:nvPr>
-            <p:ph type="sldImg" idx="2"/>
-          </p:nvPr>
-        </p:nvSpPr>
-        <p:spPr>
-          <a:xfrm>
-            <a:off x="381000" y="685800"/>
-            <a:ext cx="6096000" cy="3429000"/>
-          </a:xfrm>
-          <a:custGeom>
-            <a:avLst/>
-            <a:gdLst/>
-            <a:ahLst/>
-            <a:cxnLst/>
-            <a:rect l="0" t="0" r="0" b="0"/>
-            <a:pathLst>
-              <a:path w="120000" h="120000" extrusionOk="0">
-                <a:moveTo>
-                  <a:pt x="0" y="0"/>
-                </a:moveTo>
-                <a:lnTo>
-                  <a:pt x="120000" y="0"/>
-                </a:lnTo>
-                <a:lnTo>
-                  <a:pt x="120000" y="120000"/>
-                </a:lnTo>
-                <a:lnTo>
-                  <a:pt x="0" y="120000"/>
-                </a:lnTo>
-                <a:close/>
-              </a:path>
-            </a:pathLst>
-          </a:custGeom>
-        </p:spPr>
-      </p:sp>
-      <p:sp>
-        <p:nvSpPr>
-          <p:cNvPr id="76" name="Shape 76"/>
-          <p:cNvSpPr txBox="1">
-            <a:spLocks noGrp="1"/>
-          </p:cNvSpPr>
-          <p:nvPr>
-            <p:ph type="body" idx="1"/>
-          </p:nvPr>
-        </p:nvSpPr>
-        <p:spPr>
-          <a:xfrm>
-            <a:off x="685800" y="4343400"/>
-            <a:ext cx="5486400" cy="4114800"/>
-          </a:xfrm>
-          <a:prstGeom prst="rect">
-            <a:avLst/>
-          </a:prstGeom>
-        </p:spPr>
-        <p:txBody>
-          <a:bodyPr spcFirstLastPara="1" wrap="square" lIns="91425" tIns="91425" rIns="91425" bIns="91425" anchor="t" anchorCtr="0">
-            <a:noAutofit/>
-          </a:bodyPr>
-          <a:lstStyle/>
-          <a:p>
-            <a:pPr marL="0" lvl="0" indent="0" rtl="0">
-              <a:spcBef>
-                <a:spcPts val="0"/>
-              </a:spcBef>
-              <a:spcAft>
-                <a:spcPts val="0"/>
-              </a:spcAft>
-              <a:buNone/>
-            </a:pPr>
-            <a:endParaRPr dirty="0"/>
-          </a:p>
-        </p:txBody>
-      </p:sp>
-    </p:spTree>
-    <p:extLst>
-      <p:ext uri="{BB962C8B-B14F-4D97-AF65-F5344CB8AC3E}">
-        <p14:creationId xmlns:p14="http://schemas.microsoft.com/office/powerpoint/2010/main" val="1644315383"/>
-      </p:ext>
-    </p:extLst>
-  </p:cSld>
-  <p:clrMapOvr>
-    <a:masterClrMapping/>
-  </p:clrMapOvr>
-</p:notes>
-</file>
-
-<file path=ppt/notesSlides/notesSlide11.xml><?xml version="1.0" encoding="utf-8"?>
-<p:notes xmlns:a="http://schemas.openxmlformats.org/drawingml/2006/main" xmlns:r="http://schemas.openxmlformats.org/officeDocument/2006/relationships" xmlns:p="http://schemas.openxmlformats.org/presentationml/2006/main" showMasterSp="0" showMasterPhAnim="0">
-  <p:cSld>
-    <p:spTree>
-      <p:nvGrpSpPr>
-        <p:cNvPr id="1" name="Shape 74"/>
-        <p:cNvGrpSpPr/>
-        <p:nvPr/>
-      </p:nvGrpSpPr>
-      <p:grpSpPr>
-        <a:xfrm>
-          <a:off x="0" y="0"/>
-          <a:ext cx="0" cy="0"/>
-          <a:chOff x="0" y="0"/>
-          <a:chExt cx="0" cy="0"/>
-        </a:xfrm>
-      </p:grpSpPr>
-      <p:sp>
-        <p:nvSpPr>
-          <p:cNvPr id="75" name="Shape 75"/>
-          <p:cNvSpPr>
-            <a:spLocks noGrp="1" noRot="1" noChangeAspect="1"/>
-          </p:cNvSpPr>
-          <p:nvPr>
-            <p:ph type="sldImg" idx="2"/>
-          </p:nvPr>
-        </p:nvSpPr>
-        <p:spPr>
-          <a:xfrm>
-            <a:off x="381000" y="685800"/>
-            <a:ext cx="6096000" cy="3429000"/>
-          </a:xfrm>
-          <a:custGeom>
-            <a:avLst/>
-            <a:gdLst/>
-            <a:ahLst/>
-            <a:cxnLst/>
-            <a:rect l="0" t="0" r="0" b="0"/>
-            <a:pathLst>
-              <a:path w="120000" h="120000" extrusionOk="0">
-                <a:moveTo>
-                  <a:pt x="0" y="0"/>
-                </a:moveTo>
-                <a:lnTo>
-                  <a:pt x="120000" y="0"/>
-                </a:lnTo>
-                <a:lnTo>
-                  <a:pt x="120000" y="120000"/>
-                </a:lnTo>
-                <a:lnTo>
-                  <a:pt x="0" y="120000"/>
-                </a:lnTo>
-                <a:close/>
-              </a:path>
-            </a:pathLst>
-          </a:custGeom>
-        </p:spPr>
-      </p:sp>
-      <p:sp>
-        <p:nvSpPr>
-          <p:cNvPr id="76" name="Shape 76"/>
-          <p:cNvSpPr txBox="1">
-            <a:spLocks noGrp="1"/>
-          </p:cNvSpPr>
-          <p:nvPr>
-            <p:ph type="body" idx="1"/>
-          </p:nvPr>
-        </p:nvSpPr>
-        <p:spPr>
-          <a:xfrm>
-            <a:off x="685800" y="4343400"/>
-            <a:ext cx="5486400" cy="4114800"/>
-          </a:xfrm>
-          <a:prstGeom prst="rect">
-            <a:avLst/>
-          </a:prstGeom>
-        </p:spPr>
-        <p:txBody>
-          <a:bodyPr spcFirstLastPara="1" wrap="square" lIns="91425" tIns="91425" rIns="91425" bIns="91425" anchor="t" anchorCtr="0">
-            <a:noAutofit/>
-          </a:bodyPr>
-          <a:lstStyle/>
-          <a:p>
-            <a:pPr marL="0" lvl="0" indent="0" rtl="0">
-              <a:spcBef>
-                <a:spcPts val="0"/>
-              </a:spcBef>
-              <a:spcAft>
-                <a:spcPts val="0"/>
-              </a:spcAft>
-              <a:buNone/>
-            </a:pPr>
-            <a:endParaRPr dirty="0"/>
-          </a:p>
-        </p:txBody>
-      </p:sp>
-    </p:spTree>
-    <p:extLst>
-      <p:ext uri="{BB962C8B-B14F-4D97-AF65-F5344CB8AC3E}">
-        <p14:creationId xmlns:p14="http://schemas.microsoft.com/office/powerpoint/2010/main" val="3065388283"/>
-      </p:ext>
-    </p:extLst>
-  </p:cSld>
-  <p:clrMapOvr>
-    <a:masterClrMapping/>
-  </p:clrMapOvr>
-</p:notes>
-</file>
-
 <file path=ppt/notesSlides/notesSlide2.xml><?xml version="1.0" encoding="utf-8"?>
 <p:notes xmlns:a="http://schemas.openxmlformats.org/drawingml/2006/main" xmlns:r="http://schemas.openxmlformats.org/officeDocument/2006/relationships" xmlns:p="http://schemas.openxmlformats.org/presentationml/2006/main" showMasterSp="0" showMasterPhAnim="0">
   <p:cSld>
@@ -1737,7 +1517,7 @@
     </p:spTree>
     <p:extLst>
       <p:ext uri="{BB962C8B-B14F-4D97-AF65-F5344CB8AC3E}">
-        <p14:creationId xmlns:p14="http://schemas.microsoft.com/office/powerpoint/2010/main" val="3019410902"/>
+        <p14:creationId xmlns:p14="http://schemas.microsoft.com/office/powerpoint/2010/main" val="1644315383"/>
       </p:ext>
     </p:extLst>
   </p:cSld>
@@ -6110,1199 +5890,6 @@
 </p:sld>
 </file>
 
-<file path=ppt/slides/slide10.xml><?xml version="1.0" encoding="utf-8"?>
-<p:sld xmlns:a="http://schemas.openxmlformats.org/drawingml/2006/main" xmlns:r="http://schemas.openxmlformats.org/officeDocument/2006/relationships" xmlns:p="http://schemas.openxmlformats.org/presentationml/2006/main">
-  <p:cSld>
-    <p:spTree>
-      <p:nvGrpSpPr>
-        <p:cNvPr id="1" name="Shape 77"/>
-        <p:cNvGrpSpPr/>
-        <p:nvPr/>
-      </p:nvGrpSpPr>
-      <p:grpSpPr>
-        <a:xfrm>
-          <a:off x="0" y="0"/>
-          <a:ext cx="0" cy="0"/>
-          <a:chOff x="0" y="0"/>
-          <a:chExt cx="0" cy="0"/>
-        </a:xfrm>
-      </p:grpSpPr>
-      <p:sp>
-        <p:nvSpPr>
-          <p:cNvPr id="30" name="Shape 55"/>
-          <p:cNvSpPr/>
-          <p:nvPr>
-            <p:custDataLst>
-              <p:tags r:id="rId1"/>
-            </p:custDataLst>
-          </p:nvPr>
-        </p:nvSpPr>
-        <p:spPr>
-          <a:xfrm>
-            <a:off x="0" y="236100"/>
-            <a:ext cx="9144000" cy="916500"/>
-          </a:xfrm>
-          <a:prstGeom prst="rect">
-            <a:avLst/>
-          </a:prstGeom>
-          <a:solidFill>
-            <a:srgbClr val="002060"/>
-          </a:solidFill>
-          <a:ln>
-            <a:noFill/>
-          </a:ln>
-        </p:spPr>
-        <p:txBody>
-          <a:bodyPr spcFirstLastPara="1" wrap="square" lIns="91425" tIns="91425" rIns="91425" bIns="91425" anchor="ctr" anchorCtr="0">
-            <a:noAutofit/>
-          </a:bodyPr>
-          <a:lstStyle/>
-          <a:p>
-            <a:pPr lvl="0"/>
-            <a:r>
-              <a:rPr lang="fr" sz="2400" dirty="0">
-                <a:solidFill>
-                  <a:srgbClr val="FFFFFF"/>
-                </a:solidFill>
-                <a:latin typeface="Roboto"/>
-                <a:ea typeface="Roboto"/>
-                <a:cs typeface="Roboto"/>
-                <a:sym typeface="Roboto"/>
-              </a:rPr>
-              <a:t>  ☰							</a:t>
-            </a:r>
-            <a:r>
-              <a:rPr lang="fr-FR" sz="2400" dirty="0">
-                <a:solidFill>
-                  <a:srgbClr val="FFFFFF"/>
-                </a:solidFill>
-                <a:latin typeface="Roboto"/>
-                <a:ea typeface="Roboto"/>
-                <a:cs typeface="Roboto"/>
-                <a:sym typeface="Roboto"/>
-              </a:rPr>
-              <a:t>LIGHT-DASH</a:t>
-            </a:r>
-            <a:endParaRPr sz="2400" dirty="0">
-              <a:solidFill>
-                <a:srgbClr val="FFFFFF"/>
-              </a:solidFill>
-              <a:latin typeface="Roboto"/>
-              <a:ea typeface="Roboto"/>
-              <a:cs typeface="Roboto"/>
-              <a:sym typeface="Roboto"/>
-            </a:endParaRPr>
-          </a:p>
-        </p:txBody>
-      </p:sp>
-      <p:sp>
-        <p:nvSpPr>
-          <p:cNvPr id="84" name="Shape 84"/>
-          <p:cNvSpPr/>
-          <p:nvPr>
-            <p:custDataLst>
-              <p:tags r:id="rId2"/>
-            </p:custDataLst>
-          </p:nvPr>
-        </p:nvSpPr>
-        <p:spPr>
-          <a:xfrm>
-            <a:off x="0" y="1037226"/>
-            <a:ext cx="9144000" cy="447000"/>
-          </a:xfrm>
-          <a:prstGeom prst="rect">
-            <a:avLst/>
-          </a:prstGeom>
-          <a:solidFill>
-            <a:srgbClr val="002060"/>
-          </a:solidFill>
-          <a:ln>
-            <a:noFill/>
-          </a:ln>
-        </p:spPr>
-        <p:txBody>
-          <a:bodyPr spcFirstLastPara="1" wrap="square" lIns="91425" tIns="91425" rIns="91425" bIns="91425" anchor="ctr" anchorCtr="0">
-            <a:noAutofit/>
-          </a:bodyPr>
-          <a:lstStyle/>
-          <a:p>
-            <a:pPr marL="0" lvl="0" indent="0" algn="l" rtl="0">
-              <a:spcBef>
-                <a:spcPts val="0"/>
-              </a:spcBef>
-              <a:spcAft>
-                <a:spcPts val="0"/>
-              </a:spcAft>
-              <a:buNone/>
-            </a:pPr>
-            <a:endParaRPr sz="1100" dirty="0">
-              <a:solidFill>
-                <a:srgbClr val="FFFFFF"/>
-              </a:solidFill>
-              <a:latin typeface="Roboto"/>
-              <a:ea typeface="Roboto"/>
-              <a:cs typeface="Roboto"/>
-              <a:sym typeface="Roboto"/>
-            </a:endParaRPr>
-          </a:p>
-        </p:txBody>
-      </p:sp>
-      <p:sp>
-        <p:nvSpPr>
-          <p:cNvPr id="89" name="Shape 89"/>
-          <p:cNvSpPr/>
-          <p:nvPr>
-            <p:custDataLst>
-              <p:tags r:id="rId3"/>
-            </p:custDataLst>
-          </p:nvPr>
-        </p:nvSpPr>
-        <p:spPr>
-          <a:xfrm>
-            <a:off x="6843600" y="1483165"/>
-            <a:ext cx="1512000" cy="38100"/>
-          </a:xfrm>
-          <a:prstGeom prst="rect">
-            <a:avLst/>
-          </a:prstGeom>
-          <a:solidFill>
-            <a:srgbClr val="FF4081"/>
-          </a:solidFill>
-          <a:ln>
-            <a:noFill/>
-          </a:ln>
-        </p:spPr>
-        <p:txBody>
-          <a:bodyPr spcFirstLastPara="1" wrap="square" lIns="91425" tIns="91425" rIns="91425" bIns="91425" anchor="ctr" anchorCtr="0">
-            <a:noAutofit/>
-          </a:bodyPr>
-          <a:lstStyle/>
-          <a:p>
-            <a:pPr marL="0" lvl="0" indent="0">
-              <a:spcBef>
-                <a:spcPts val="0"/>
-              </a:spcBef>
-              <a:spcAft>
-                <a:spcPts val="0"/>
-              </a:spcAft>
-              <a:buNone/>
-            </a:pPr>
-            <a:endParaRPr dirty="0"/>
-          </a:p>
-        </p:txBody>
-      </p:sp>
-      <p:sp>
-        <p:nvSpPr>
-          <p:cNvPr id="2" name="Espace réservé du numéro de diapositive 1"/>
-          <p:cNvSpPr>
-            <a:spLocks noGrp="1"/>
-          </p:cNvSpPr>
-          <p:nvPr>
-            <p:ph type="sldNum" idx="12"/>
-            <p:custDataLst>
-              <p:tags r:id="rId4"/>
-            </p:custDataLst>
-          </p:nvPr>
-        </p:nvSpPr>
-        <p:spPr>
-          <a:xfrm>
-            <a:off x="8501486" y="4663217"/>
-            <a:ext cx="548700" cy="393600"/>
-          </a:xfrm>
-        </p:spPr>
-        <p:txBody>
-          <a:bodyPr/>
-          <a:lstStyle/>
-          <a:p>
-            <a:pPr marL="0" lvl="0" indent="0">
-              <a:spcBef>
-                <a:spcPts val="0"/>
-              </a:spcBef>
-              <a:spcAft>
-                <a:spcPts val="0"/>
-              </a:spcAft>
-              <a:buNone/>
-            </a:pPr>
-            <a:fld id="{00000000-1234-1234-1234-123412341234}" type="slidenum">
-              <a:rPr lang="fr-FR" smtClean="0">
-                <a:solidFill>
-                  <a:schemeClr val="bg1"/>
-                </a:solidFill>
-              </a:rPr>
-              <a:t>10</a:t>
-            </a:fld>
-            <a:endParaRPr lang="fr-FR" dirty="0">
-              <a:solidFill>
-                <a:schemeClr val="bg1"/>
-              </a:solidFill>
-            </a:endParaRPr>
-          </a:p>
-        </p:txBody>
-      </p:sp>
-      <p:sp>
-        <p:nvSpPr>
-          <p:cNvPr id="21" name="Shape 57"/>
-          <p:cNvSpPr/>
-          <p:nvPr>
-            <p:custDataLst>
-              <p:tags r:id="rId5"/>
-            </p:custDataLst>
-          </p:nvPr>
-        </p:nvSpPr>
-        <p:spPr>
-          <a:xfrm>
-            <a:off x="0" y="0"/>
-            <a:ext cx="9144000" cy="236100"/>
-          </a:xfrm>
-          <a:prstGeom prst="rect">
-            <a:avLst/>
-          </a:prstGeom>
-          <a:solidFill>
-            <a:srgbClr val="000F2E"/>
-          </a:solidFill>
-          <a:ln>
-            <a:noFill/>
-          </a:ln>
-        </p:spPr>
-        <p:txBody>
-          <a:bodyPr spcFirstLastPara="1" wrap="square" lIns="91425" tIns="91425" rIns="91425" bIns="91425" anchor="ctr" anchorCtr="0">
-            <a:noAutofit/>
-          </a:bodyPr>
-          <a:lstStyle/>
-          <a:p>
-            <a:pPr lvl="0"/>
-            <a:r>
-              <a:rPr lang="fr-FR">
-                <a:solidFill>
-                  <a:srgbClr val="FFFFFF"/>
-                </a:solidFill>
-                <a:latin typeface="Roboto"/>
-                <a:ea typeface="Roboto"/>
-                <a:cs typeface="Roboto"/>
-                <a:sym typeface="Roboto"/>
-              </a:rPr>
-              <a:t>LIFPROJET</a:t>
-            </a:r>
-            <a:endParaRPr lang="fr-FR" dirty="0">
-              <a:solidFill>
-                <a:srgbClr val="FFFFFF"/>
-              </a:solidFill>
-              <a:latin typeface="Roboto"/>
-              <a:ea typeface="Roboto"/>
-              <a:cs typeface="Roboto"/>
-              <a:sym typeface="Roboto"/>
-            </a:endParaRPr>
-          </a:p>
-        </p:txBody>
-      </p:sp>
-      <p:sp>
-        <p:nvSpPr>
-          <p:cNvPr id="27" name="Shape 85"/>
-          <p:cNvSpPr txBox="1"/>
-          <p:nvPr>
-            <p:custDataLst>
-              <p:tags r:id="rId6"/>
-            </p:custDataLst>
-          </p:nvPr>
-        </p:nvSpPr>
-        <p:spPr>
-          <a:xfrm>
-            <a:off x="2306700" y="1010380"/>
-            <a:ext cx="1512000" cy="471600"/>
-          </a:xfrm>
-          <a:prstGeom prst="rect">
-            <a:avLst/>
-          </a:prstGeom>
-          <a:noFill/>
-          <a:ln>
-            <a:noFill/>
-          </a:ln>
-        </p:spPr>
-        <p:txBody>
-          <a:bodyPr spcFirstLastPara="1" wrap="square" lIns="91425" tIns="91425" rIns="91425" bIns="91425" anchor="b" anchorCtr="0">
-            <a:noAutofit/>
-          </a:bodyPr>
-          <a:lstStyle/>
-          <a:p>
-            <a:pPr lvl="0" algn="ctr"/>
-            <a:r>
-              <a:rPr lang="fr-FR" sz="900" dirty="0">
-                <a:solidFill>
-                  <a:srgbClr val="FFFFFF"/>
-                </a:solidFill>
-                <a:latin typeface="Roboto"/>
-                <a:ea typeface="Roboto"/>
-                <a:cs typeface="Roboto"/>
-                <a:sym typeface="Roboto"/>
-              </a:rPr>
-              <a:t>Concept, Projet</a:t>
-            </a:r>
-          </a:p>
-        </p:txBody>
-      </p:sp>
-      <p:sp>
-        <p:nvSpPr>
-          <p:cNvPr id="28" name="Shape 85"/>
-          <p:cNvSpPr txBox="1"/>
-          <p:nvPr>
-            <p:custDataLst>
-              <p:tags r:id="rId7"/>
-            </p:custDataLst>
-          </p:nvPr>
-        </p:nvSpPr>
-        <p:spPr>
-          <a:xfrm>
-            <a:off x="794700" y="1011525"/>
-            <a:ext cx="1512000" cy="471600"/>
-          </a:xfrm>
-          <a:prstGeom prst="rect">
-            <a:avLst/>
-          </a:prstGeom>
-          <a:noFill/>
-          <a:ln>
-            <a:noFill/>
-          </a:ln>
-        </p:spPr>
-        <p:txBody>
-          <a:bodyPr spcFirstLastPara="1" wrap="square" lIns="91425" tIns="91425" rIns="91425" bIns="91425" anchor="b" anchorCtr="0">
-            <a:noAutofit/>
-          </a:bodyPr>
-          <a:lstStyle/>
-          <a:p>
-            <a:pPr marL="0" lvl="0" indent="0" algn="ctr" rtl="0">
-              <a:spcBef>
-                <a:spcPts val="0"/>
-              </a:spcBef>
-              <a:spcAft>
-                <a:spcPts val="0"/>
-              </a:spcAft>
-              <a:buNone/>
-            </a:pPr>
-            <a:r>
-              <a:rPr lang="fr" sz="900" dirty="0">
-                <a:solidFill>
-                  <a:srgbClr val="FFFFFF"/>
-                </a:solidFill>
-                <a:latin typeface="Roboto"/>
-                <a:ea typeface="Roboto"/>
-                <a:cs typeface="Roboto"/>
-                <a:sym typeface="Roboto"/>
-              </a:rPr>
-              <a:t>Introduction</a:t>
-            </a:r>
-            <a:endParaRPr sz="1050" dirty="0"/>
-          </a:p>
-        </p:txBody>
-      </p:sp>
-      <p:sp>
-        <p:nvSpPr>
-          <p:cNvPr id="31" name="Shape 54"/>
-          <p:cNvSpPr/>
-          <p:nvPr>
-            <p:custDataLst>
-              <p:tags r:id="rId8"/>
-            </p:custDataLst>
-          </p:nvPr>
-        </p:nvSpPr>
-        <p:spPr>
-          <a:xfrm>
-            <a:off x="8458200" y="4478717"/>
-            <a:ext cx="540000" cy="540000"/>
-          </a:xfrm>
-          <a:prstGeom prst="ellipse">
-            <a:avLst/>
-          </a:prstGeom>
-          <a:noFill/>
-          <a:ln/>
-        </p:spPr>
-        <p:style>
-          <a:lnRef idx="2">
-            <a:schemeClr val="accent3"/>
-          </a:lnRef>
-          <a:fillRef idx="1">
-            <a:schemeClr val="lt1"/>
-          </a:fillRef>
-          <a:effectRef idx="0">
-            <a:schemeClr val="accent3"/>
-          </a:effectRef>
-          <a:fontRef idx="minor">
-            <a:schemeClr val="dk1"/>
-          </a:fontRef>
-        </p:style>
-        <p:txBody>
-          <a:bodyPr spcFirstLastPara="1" wrap="square" lIns="91425" tIns="91425" rIns="91425" bIns="91425" anchor="ctr" anchorCtr="0">
-            <a:noAutofit/>
-          </a:bodyPr>
-          <a:lstStyle/>
-          <a:p>
-            <a:pPr marL="0" lvl="0" indent="0">
-              <a:spcBef>
-                <a:spcPts val="0"/>
-              </a:spcBef>
-              <a:spcAft>
-                <a:spcPts val="0"/>
-              </a:spcAft>
-              <a:buNone/>
-            </a:pPr>
-            <a:fld id="{22267849-91A9-4390-B642-B1A9B6502BB5}" type="slidenum">
-              <a:rPr lang="fr-FR" smtClean="0">
-                <a:solidFill>
-                  <a:srgbClr val="FF0000"/>
-                </a:solidFill>
-              </a:rPr>
-              <a:t>10</a:t>
-            </a:fld>
-            <a:endParaRPr dirty="0">
-              <a:solidFill>
-                <a:srgbClr val="FF0000"/>
-              </a:solidFill>
-            </a:endParaRPr>
-          </a:p>
-        </p:txBody>
-      </p:sp>
-      <p:sp>
-        <p:nvSpPr>
-          <p:cNvPr id="15" name="Shape 85"/>
-          <p:cNvSpPr txBox="1"/>
-          <p:nvPr>
-            <p:custDataLst>
-              <p:tags r:id="rId9"/>
-            </p:custDataLst>
-          </p:nvPr>
-        </p:nvSpPr>
-        <p:spPr>
-          <a:xfrm>
-            <a:off x="3810600" y="1008134"/>
-            <a:ext cx="1512000" cy="471600"/>
-          </a:xfrm>
-          <a:prstGeom prst="rect">
-            <a:avLst/>
-          </a:prstGeom>
-          <a:noFill/>
-          <a:ln>
-            <a:noFill/>
-          </a:ln>
-        </p:spPr>
-        <p:txBody>
-          <a:bodyPr spcFirstLastPara="1" wrap="square" lIns="91425" tIns="91425" rIns="91425" bIns="91425" anchor="b" anchorCtr="0">
-            <a:noAutofit/>
-          </a:bodyPr>
-          <a:lstStyle/>
-          <a:p>
-            <a:pPr lvl="0" algn="ctr"/>
-            <a:r>
-              <a:rPr lang="fr-FR" sz="900" dirty="0">
-                <a:solidFill>
-                  <a:srgbClr val="FFFFFF"/>
-                </a:solidFill>
-                <a:latin typeface="Roboto"/>
-                <a:ea typeface="Roboto"/>
-                <a:cs typeface="Roboto"/>
-                <a:sym typeface="Roboto"/>
-              </a:rPr>
-              <a:t>Technologies, Choix</a:t>
-            </a:r>
-          </a:p>
-        </p:txBody>
-      </p:sp>
-      <p:sp>
-        <p:nvSpPr>
-          <p:cNvPr id="16" name="Shape 85"/>
-          <p:cNvSpPr txBox="1"/>
-          <p:nvPr>
-            <p:custDataLst>
-              <p:tags r:id="rId10"/>
-            </p:custDataLst>
-          </p:nvPr>
-        </p:nvSpPr>
-        <p:spPr>
-          <a:xfrm>
-            <a:off x="5325300" y="1010455"/>
-            <a:ext cx="1512000" cy="471600"/>
-          </a:xfrm>
-          <a:prstGeom prst="rect">
-            <a:avLst/>
-          </a:prstGeom>
-          <a:noFill/>
-          <a:ln>
-            <a:noFill/>
-          </a:ln>
-        </p:spPr>
-        <p:txBody>
-          <a:bodyPr spcFirstLastPara="1" wrap="square" lIns="91425" tIns="91425" rIns="91425" bIns="91425" anchor="b" anchorCtr="0">
-            <a:noAutofit/>
-          </a:bodyPr>
-          <a:lstStyle/>
-          <a:p>
-            <a:pPr lvl="0" algn="ctr"/>
-            <a:r>
-              <a:rPr lang="fr-FR" sz="900" dirty="0">
-                <a:solidFill>
-                  <a:srgbClr val="FFFFFF"/>
-                </a:solidFill>
-                <a:latin typeface="Roboto"/>
-                <a:ea typeface="Roboto"/>
-                <a:cs typeface="Roboto"/>
-                <a:sym typeface="Roboto"/>
-              </a:rPr>
-              <a:t>Avancement</a:t>
-            </a:r>
-          </a:p>
-        </p:txBody>
-      </p:sp>
-      <p:sp>
-        <p:nvSpPr>
-          <p:cNvPr id="17" name="Shape 85"/>
-          <p:cNvSpPr txBox="1"/>
-          <p:nvPr>
-            <p:custDataLst>
-              <p:tags r:id="rId11"/>
-            </p:custDataLst>
-          </p:nvPr>
-        </p:nvSpPr>
-        <p:spPr>
-          <a:xfrm>
-            <a:off x="6834600" y="1008209"/>
-            <a:ext cx="1512000" cy="471600"/>
-          </a:xfrm>
-          <a:prstGeom prst="rect">
-            <a:avLst/>
-          </a:prstGeom>
-          <a:noFill/>
-          <a:ln>
-            <a:noFill/>
-          </a:ln>
-        </p:spPr>
-        <p:txBody>
-          <a:bodyPr spcFirstLastPara="1" wrap="square" lIns="91425" tIns="91425" rIns="91425" bIns="91425" anchor="b" anchorCtr="0">
-            <a:noAutofit/>
-          </a:bodyPr>
-          <a:lstStyle/>
-          <a:p>
-            <a:pPr lvl="0" algn="ctr"/>
-            <a:r>
-              <a:rPr lang="fr-FR" sz="900" dirty="0">
-                <a:solidFill>
-                  <a:srgbClr val="FFFFFF"/>
-                </a:solidFill>
-                <a:latin typeface="Roboto"/>
-                <a:ea typeface="Roboto"/>
-                <a:cs typeface="Roboto"/>
-                <a:sym typeface="Roboto"/>
-              </a:rPr>
-              <a:t>Bilan</a:t>
-            </a:r>
-          </a:p>
-        </p:txBody>
-      </p:sp>
-    </p:spTree>
-    <p:extLst>
-      <p:ext uri="{BB962C8B-B14F-4D97-AF65-F5344CB8AC3E}">
-        <p14:creationId xmlns:p14="http://schemas.microsoft.com/office/powerpoint/2010/main" val="3827992628"/>
-      </p:ext>
-    </p:extLst>
-  </p:cSld>
-  <p:clrMapOvr>
-    <a:masterClrMapping/>
-  </p:clrMapOvr>
-</p:sld>
-</file>
-
-<file path=ppt/slides/slide11.xml><?xml version="1.0" encoding="utf-8"?>
-<p:sld xmlns:a="http://schemas.openxmlformats.org/drawingml/2006/main" xmlns:r="http://schemas.openxmlformats.org/officeDocument/2006/relationships" xmlns:p="http://schemas.openxmlformats.org/presentationml/2006/main">
-  <p:cSld>
-    <p:spTree>
-      <p:nvGrpSpPr>
-        <p:cNvPr id="1" name="Shape 77"/>
-        <p:cNvGrpSpPr/>
-        <p:nvPr/>
-      </p:nvGrpSpPr>
-      <p:grpSpPr>
-        <a:xfrm>
-          <a:off x="0" y="0"/>
-          <a:ext cx="0" cy="0"/>
-          <a:chOff x="0" y="0"/>
-          <a:chExt cx="0" cy="0"/>
-        </a:xfrm>
-      </p:grpSpPr>
-      <p:sp>
-        <p:nvSpPr>
-          <p:cNvPr id="2" name="Espace réservé du numéro de diapositive 1"/>
-          <p:cNvSpPr>
-            <a:spLocks noGrp="1"/>
-          </p:cNvSpPr>
-          <p:nvPr>
-            <p:ph type="sldNum" idx="12"/>
-            <p:custDataLst>
-              <p:tags r:id="rId1"/>
-            </p:custDataLst>
-          </p:nvPr>
-        </p:nvSpPr>
-        <p:spPr>
-          <a:xfrm>
-            <a:off x="8501486" y="4663217"/>
-            <a:ext cx="548700" cy="393600"/>
-          </a:xfrm>
-        </p:spPr>
-        <p:txBody>
-          <a:bodyPr/>
-          <a:lstStyle/>
-          <a:p>
-            <a:pPr marL="0" lvl="0" indent="0">
-              <a:spcBef>
-                <a:spcPts val="0"/>
-              </a:spcBef>
-              <a:spcAft>
-                <a:spcPts val="0"/>
-              </a:spcAft>
-              <a:buNone/>
-            </a:pPr>
-            <a:fld id="{00000000-1234-1234-1234-123412341234}" type="slidenum">
-              <a:rPr lang="fr-FR" smtClean="0">
-                <a:solidFill>
-                  <a:schemeClr val="bg1"/>
-                </a:solidFill>
-              </a:rPr>
-              <a:t>11</a:t>
-            </a:fld>
-            <a:endParaRPr lang="fr-FR" dirty="0">
-              <a:solidFill>
-                <a:schemeClr val="bg1"/>
-              </a:solidFill>
-            </a:endParaRPr>
-          </a:p>
-        </p:txBody>
-      </p:sp>
-      <p:sp>
-        <p:nvSpPr>
-          <p:cNvPr id="21" name="Shape 57"/>
-          <p:cNvSpPr/>
-          <p:nvPr>
-            <p:custDataLst>
-              <p:tags r:id="rId2"/>
-            </p:custDataLst>
-          </p:nvPr>
-        </p:nvSpPr>
-        <p:spPr>
-          <a:xfrm>
-            <a:off x="0" y="0"/>
-            <a:ext cx="9144000" cy="236100"/>
-          </a:xfrm>
-          <a:prstGeom prst="rect">
-            <a:avLst/>
-          </a:prstGeom>
-          <a:solidFill>
-            <a:srgbClr val="000F2E"/>
-          </a:solidFill>
-          <a:ln>
-            <a:noFill/>
-          </a:ln>
-        </p:spPr>
-        <p:txBody>
-          <a:bodyPr spcFirstLastPara="1" wrap="square" lIns="91425" tIns="91425" rIns="91425" bIns="91425" anchor="ctr" anchorCtr="0">
-            <a:noAutofit/>
-          </a:bodyPr>
-          <a:lstStyle/>
-          <a:p>
-            <a:pPr lvl="0"/>
-            <a:r>
-              <a:rPr lang="fr-FR">
-                <a:solidFill>
-                  <a:srgbClr val="FFFFFF"/>
-                </a:solidFill>
-                <a:latin typeface="Roboto"/>
-                <a:ea typeface="Roboto"/>
-                <a:cs typeface="Roboto"/>
-                <a:sym typeface="Roboto"/>
-              </a:rPr>
-              <a:t>LIFPROJET</a:t>
-            </a:r>
-            <a:endParaRPr lang="fr-FR" dirty="0">
-              <a:solidFill>
-                <a:srgbClr val="FFFFFF"/>
-              </a:solidFill>
-              <a:latin typeface="Roboto"/>
-              <a:ea typeface="Roboto"/>
-              <a:cs typeface="Roboto"/>
-              <a:sym typeface="Roboto"/>
-            </a:endParaRPr>
-          </a:p>
-        </p:txBody>
-      </p:sp>
-      <p:sp>
-        <p:nvSpPr>
-          <p:cNvPr id="9" name="Shape 58"/>
-          <p:cNvSpPr txBox="1">
-            <a:spLocks/>
-          </p:cNvSpPr>
-          <p:nvPr>
-            <p:custDataLst>
-              <p:tags r:id="rId3"/>
-            </p:custDataLst>
-          </p:nvPr>
-        </p:nvSpPr>
-        <p:spPr>
-          <a:xfrm>
-            <a:off x="2509500" y="3438553"/>
-            <a:ext cx="4125000" cy="1224672"/>
-          </a:xfrm>
-          <a:prstGeom prst="rect">
-            <a:avLst/>
-          </a:prstGeom>
-          <a:noFill/>
-          <a:ln>
-            <a:noFill/>
-          </a:ln>
-        </p:spPr>
-        <p:txBody>
-          <a:bodyPr spcFirstLastPara="1" wrap="square" lIns="91425" tIns="91425" rIns="91425" bIns="91425" anchor="ctr" anchorCtr="0">
-            <a:noAutofit/>
-          </a:bodyPr>
-          <a:lstStyle>
-            <a:defPPr marR="0" lvl="0" algn="l" rtl="0">
-              <a:lnSpc>
-                <a:spcPct val="100000"/>
-              </a:lnSpc>
-              <a:spcBef>
-                <a:spcPts val="0"/>
-              </a:spcBef>
-              <a:spcAft>
-                <a:spcPts val="0"/>
-              </a:spcAft>
-            </a:defPPr>
-            <a:lvl1pPr marL="457200" marR="0" lvl="0" indent="-342900" algn="l" rtl="0">
-              <a:lnSpc>
-                <a:spcPct val="115000"/>
-              </a:lnSpc>
-              <a:spcBef>
-                <a:spcPts val="0"/>
-              </a:spcBef>
-              <a:spcAft>
-                <a:spcPts val="0"/>
-              </a:spcAft>
-              <a:buClr>
-                <a:schemeClr val="dk2"/>
-              </a:buClr>
-              <a:buSzPts val="1800"/>
-              <a:buChar char="●"/>
-              <a:defRPr sz="1800" b="0" i="0" u="none" strike="noStrike" cap="none">
-                <a:solidFill>
-                  <a:schemeClr val="dk2"/>
-                </a:solidFill>
-                <a:latin typeface="Arial"/>
-                <a:ea typeface="Arial"/>
-                <a:cs typeface="Arial"/>
-                <a:sym typeface="Arial"/>
-              </a:defRPr>
-            </a:lvl1pPr>
-            <a:lvl2pPr marL="914400" marR="0" lvl="1" indent="-317500" algn="l" rtl="0">
-              <a:lnSpc>
-                <a:spcPct val="115000"/>
-              </a:lnSpc>
-              <a:spcBef>
-                <a:spcPts val="1600"/>
-              </a:spcBef>
-              <a:spcAft>
-                <a:spcPts val="0"/>
-              </a:spcAft>
-              <a:buClr>
-                <a:schemeClr val="dk2"/>
-              </a:buClr>
-              <a:buSzPts val="1400"/>
-              <a:buChar char="○"/>
-              <a:defRPr sz="1400" b="0" i="0" u="none" strike="noStrike" cap="none">
-                <a:solidFill>
-                  <a:schemeClr val="dk2"/>
-                </a:solidFill>
-                <a:latin typeface="Arial"/>
-                <a:ea typeface="Arial"/>
-                <a:cs typeface="Arial"/>
-                <a:sym typeface="Arial"/>
-              </a:defRPr>
-            </a:lvl2pPr>
-            <a:lvl3pPr marL="1371600" marR="0" lvl="2" indent="-317500" algn="l" rtl="0">
-              <a:lnSpc>
-                <a:spcPct val="115000"/>
-              </a:lnSpc>
-              <a:spcBef>
-                <a:spcPts val="1600"/>
-              </a:spcBef>
-              <a:spcAft>
-                <a:spcPts val="0"/>
-              </a:spcAft>
-              <a:buClr>
-                <a:schemeClr val="dk2"/>
-              </a:buClr>
-              <a:buSzPts val="1400"/>
-              <a:buChar char="■"/>
-              <a:defRPr sz="1400" b="0" i="0" u="none" strike="noStrike" cap="none">
-                <a:solidFill>
-                  <a:schemeClr val="dk2"/>
-                </a:solidFill>
-                <a:latin typeface="Arial"/>
-                <a:ea typeface="Arial"/>
-                <a:cs typeface="Arial"/>
-                <a:sym typeface="Arial"/>
-              </a:defRPr>
-            </a:lvl3pPr>
-            <a:lvl4pPr marL="1828800" marR="0" lvl="3" indent="-317500" algn="l" rtl="0">
-              <a:lnSpc>
-                <a:spcPct val="115000"/>
-              </a:lnSpc>
-              <a:spcBef>
-                <a:spcPts val="1600"/>
-              </a:spcBef>
-              <a:spcAft>
-                <a:spcPts val="0"/>
-              </a:spcAft>
-              <a:buClr>
-                <a:schemeClr val="dk2"/>
-              </a:buClr>
-              <a:buSzPts val="1400"/>
-              <a:buChar char="●"/>
-              <a:defRPr sz="1400" b="0" i="0" u="none" strike="noStrike" cap="none">
-                <a:solidFill>
-                  <a:schemeClr val="dk2"/>
-                </a:solidFill>
-                <a:latin typeface="Arial"/>
-                <a:ea typeface="Arial"/>
-                <a:cs typeface="Arial"/>
-                <a:sym typeface="Arial"/>
-              </a:defRPr>
-            </a:lvl4pPr>
-            <a:lvl5pPr marL="2286000" marR="0" lvl="4" indent="-317500" algn="l" rtl="0">
-              <a:lnSpc>
-                <a:spcPct val="115000"/>
-              </a:lnSpc>
-              <a:spcBef>
-                <a:spcPts val="1600"/>
-              </a:spcBef>
-              <a:spcAft>
-                <a:spcPts val="0"/>
-              </a:spcAft>
-              <a:buClr>
-                <a:schemeClr val="dk2"/>
-              </a:buClr>
-              <a:buSzPts val="1400"/>
-              <a:buChar char="○"/>
-              <a:defRPr sz="1400" b="0" i="0" u="none" strike="noStrike" cap="none">
-                <a:solidFill>
-                  <a:schemeClr val="dk2"/>
-                </a:solidFill>
-                <a:latin typeface="Arial"/>
-                <a:ea typeface="Arial"/>
-                <a:cs typeface="Arial"/>
-                <a:sym typeface="Arial"/>
-              </a:defRPr>
-            </a:lvl5pPr>
-            <a:lvl6pPr marL="2743200" marR="0" lvl="5" indent="-317500" algn="l" rtl="0">
-              <a:lnSpc>
-                <a:spcPct val="115000"/>
-              </a:lnSpc>
-              <a:spcBef>
-                <a:spcPts val="1600"/>
-              </a:spcBef>
-              <a:spcAft>
-                <a:spcPts val="0"/>
-              </a:spcAft>
-              <a:buClr>
-                <a:schemeClr val="dk2"/>
-              </a:buClr>
-              <a:buSzPts val="1400"/>
-              <a:buChar char="■"/>
-              <a:defRPr sz="1400" b="0" i="0" u="none" strike="noStrike" cap="none">
-                <a:solidFill>
-                  <a:schemeClr val="dk2"/>
-                </a:solidFill>
-                <a:latin typeface="Arial"/>
-                <a:ea typeface="Arial"/>
-                <a:cs typeface="Arial"/>
-                <a:sym typeface="Arial"/>
-              </a:defRPr>
-            </a:lvl6pPr>
-            <a:lvl7pPr marL="3200400" marR="0" lvl="6" indent="-317500" algn="l" rtl="0">
-              <a:lnSpc>
-                <a:spcPct val="115000"/>
-              </a:lnSpc>
-              <a:spcBef>
-                <a:spcPts val="1600"/>
-              </a:spcBef>
-              <a:spcAft>
-                <a:spcPts val="0"/>
-              </a:spcAft>
-              <a:buClr>
-                <a:schemeClr val="dk2"/>
-              </a:buClr>
-              <a:buSzPts val="1400"/>
-              <a:buChar char="●"/>
-              <a:defRPr sz="1400" b="0" i="0" u="none" strike="noStrike" cap="none">
-                <a:solidFill>
-                  <a:schemeClr val="dk2"/>
-                </a:solidFill>
-                <a:latin typeface="Arial"/>
-                <a:ea typeface="Arial"/>
-                <a:cs typeface="Arial"/>
-                <a:sym typeface="Arial"/>
-              </a:defRPr>
-            </a:lvl7pPr>
-            <a:lvl8pPr marL="3657600" marR="0" lvl="7" indent="-317500" algn="l" rtl="0">
-              <a:lnSpc>
-                <a:spcPct val="115000"/>
-              </a:lnSpc>
-              <a:spcBef>
-                <a:spcPts val="1600"/>
-              </a:spcBef>
-              <a:spcAft>
-                <a:spcPts val="0"/>
-              </a:spcAft>
-              <a:buClr>
-                <a:schemeClr val="dk2"/>
-              </a:buClr>
-              <a:buSzPts val="1400"/>
-              <a:buChar char="○"/>
-              <a:defRPr sz="1400" b="0" i="0" u="none" strike="noStrike" cap="none">
-                <a:solidFill>
-                  <a:schemeClr val="dk2"/>
-                </a:solidFill>
-                <a:latin typeface="Arial"/>
-                <a:ea typeface="Arial"/>
-                <a:cs typeface="Arial"/>
-                <a:sym typeface="Arial"/>
-              </a:defRPr>
-            </a:lvl8pPr>
-            <a:lvl9pPr marL="4114800" marR="0" lvl="8" indent="-317500" algn="l" rtl="0">
-              <a:lnSpc>
-                <a:spcPct val="115000"/>
-              </a:lnSpc>
-              <a:spcBef>
-                <a:spcPts val="1600"/>
-              </a:spcBef>
-              <a:spcAft>
-                <a:spcPts val="1600"/>
-              </a:spcAft>
-              <a:buClr>
-                <a:schemeClr val="dk2"/>
-              </a:buClr>
-              <a:buSzPts val="1400"/>
-              <a:buChar char="■"/>
-              <a:defRPr sz="1400" b="0" i="0" u="none" strike="noStrike" cap="none">
-                <a:solidFill>
-                  <a:schemeClr val="dk2"/>
-                </a:solidFill>
-                <a:latin typeface="Arial"/>
-                <a:ea typeface="Arial"/>
-                <a:cs typeface="Arial"/>
-                <a:sym typeface="Arial"/>
-              </a:defRPr>
-            </a:lvl9pPr>
-          </a:lstStyle>
-          <a:p>
-            <a:pPr marL="0" indent="0" algn="ctr">
-              <a:lnSpc>
-                <a:spcPct val="100000"/>
-              </a:lnSpc>
-              <a:spcBef>
-                <a:spcPts val="1600"/>
-              </a:spcBef>
-              <a:spcAft>
-                <a:spcPts val="1600"/>
-              </a:spcAft>
-              <a:buFontTx/>
-              <a:buNone/>
-            </a:pPr>
-            <a:r>
-              <a:rPr lang="fr-FR" sz="2400" dirty="0">
-                <a:latin typeface="Roboto"/>
-                <a:ea typeface="Roboto"/>
-                <a:cs typeface="Roboto"/>
-                <a:sym typeface="Roboto"/>
-              </a:rPr>
-              <a:t>Merci pour votre écoute.</a:t>
-            </a:r>
-            <a:endParaRPr lang="fr" sz="2400" dirty="0">
-              <a:latin typeface="Roboto"/>
-              <a:ea typeface="Roboto"/>
-              <a:cs typeface="Roboto"/>
-              <a:sym typeface="Roboto"/>
-            </a:endParaRPr>
-          </a:p>
-        </p:txBody>
-      </p:sp>
-      <p:pic>
-        <p:nvPicPr>
-          <p:cNvPr id="3" name="Image 2"/>
-          <p:cNvPicPr>
-            <a:picLocks noChangeAspect="1"/>
-          </p:cNvPicPr>
-          <p:nvPr>
-            <p:custDataLst>
-              <p:tags r:id="rId4"/>
-            </p:custDataLst>
-          </p:nvPr>
-        </p:nvPicPr>
-        <p:blipFill>
-          <a:blip r:embed="rId9"/>
-          <a:stretch>
-            <a:fillRect/>
-          </a:stretch>
-        </p:blipFill>
-        <p:spPr>
-          <a:xfrm>
-            <a:off x="3358125" y="1694033"/>
-            <a:ext cx="2427750" cy="2427750"/>
-          </a:xfrm>
-          <a:prstGeom prst="rect">
-            <a:avLst/>
-          </a:prstGeom>
-        </p:spPr>
-      </p:pic>
-      <p:sp>
-        <p:nvSpPr>
-          <p:cNvPr id="12" name="Shape 54"/>
-          <p:cNvSpPr/>
-          <p:nvPr>
-            <p:custDataLst>
-              <p:tags r:id="rId5"/>
-            </p:custDataLst>
-          </p:nvPr>
-        </p:nvSpPr>
-        <p:spPr>
-          <a:xfrm>
-            <a:off x="8458200" y="4478717"/>
-            <a:ext cx="540000" cy="540000"/>
-          </a:xfrm>
-          <a:prstGeom prst="ellipse">
-            <a:avLst/>
-          </a:prstGeom>
-          <a:noFill/>
-          <a:ln/>
-        </p:spPr>
-        <p:style>
-          <a:lnRef idx="2">
-            <a:schemeClr val="accent3"/>
-          </a:lnRef>
-          <a:fillRef idx="1">
-            <a:schemeClr val="lt1"/>
-          </a:fillRef>
-          <a:effectRef idx="0">
-            <a:schemeClr val="accent3"/>
-          </a:effectRef>
-          <a:fontRef idx="minor">
-            <a:schemeClr val="dk1"/>
-          </a:fontRef>
-        </p:style>
-        <p:txBody>
-          <a:bodyPr spcFirstLastPara="1" wrap="square" lIns="91425" tIns="91425" rIns="91425" bIns="91425" anchor="ctr" anchorCtr="0">
-            <a:noAutofit/>
-          </a:bodyPr>
-          <a:lstStyle/>
-          <a:p>
-            <a:pPr marL="0" lvl="0" indent="0">
-              <a:spcBef>
-                <a:spcPts val="0"/>
-              </a:spcBef>
-              <a:spcAft>
-                <a:spcPts val="0"/>
-              </a:spcAft>
-              <a:buNone/>
-            </a:pPr>
-            <a:fld id="{7AAA319B-A338-4D06-B445-9E5B6604913C}" type="slidenum">
-              <a:rPr lang="fr-FR" smtClean="0">
-                <a:solidFill>
-                  <a:srgbClr val="FF0000"/>
-                </a:solidFill>
-              </a:rPr>
-              <a:t>11</a:t>
-            </a:fld>
-            <a:endParaRPr dirty="0">
-              <a:solidFill>
-                <a:srgbClr val="FF0000"/>
-              </a:solidFill>
-            </a:endParaRPr>
-          </a:p>
-        </p:txBody>
-      </p:sp>
-      <p:sp>
-        <p:nvSpPr>
-          <p:cNvPr id="10" name="Shape 55"/>
-          <p:cNvSpPr/>
-          <p:nvPr>
-            <p:custDataLst>
-              <p:tags r:id="rId6"/>
-            </p:custDataLst>
-          </p:nvPr>
-        </p:nvSpPr>
-        <p:spPr>
-          <a:xfrm>
-            <a:off x="0" y="236100"/>
-            <a:ext cx="9144000" cy="916500"/>
-          </a:xfrm>
-          <a:prstGeom prst="rect">
-            <a:avLst/>
-          </a:prstGeom>
-          <a:solidFill>
-            <a:srgbClr val="002060"/>
-          </a:solidFill>
-          <a:ln>
-            <a:noFill/>
-          </a:ln>
-        </p:spPr>
-        <p:txBody>
-          <a:bodyPr spcFirstLastPara="1" wrap="square" lIns="91425" tIns="91425" rIns="91425" bIns="91425" anchor="ctr" anchorCtr="0">
-            <a:noAutofit/>
-          </a:bodyPr>
-          <a:lstStyle/>
-          <a:p>
-            <a:pPr lvl="0"/>
-            <a:r>
-              <a:rPr lang="fr" sz="2400" dirty="0">
-                <a:solidFill>
-                  <a:srgbClr val="FFFFFF"/>
-                </a:solidFill>
-                <a:latin typeface="Roboto"/>
-                <a:ea typeface="Roboto"/>
-                <a:cs typeface="Roboto"/>
-                <a:sym typeface="Roboto"/>
-              </a:rPr>
-              <a:t>  ☰							</a:t>
-            </a:r>
-            <a:r>
-              <a:rPr lang="fr-FR" sz="2400" dirty="0">
-                <a:solidFill>
-                  <a:srgbClr val="FFFFFF"/>
-                </a:solidFill>
-                <a:latin typeface="Roboto"/>
-                <a:ea typeface="Roboto"/>
-                <a:cs typeface="Roboto"/>
-                <a:sym typeface="Roboto"/>
-              </a:rPr>
-              <a:t>LIGHT-DASH</a:t>
-            </a:r>
-            <a:endParaRPr sz="2400" dirty="0">
-              <a:solidFill>
-                <a:srgbClr val="FFFFFF"/>
-              </a:solidFill>
-              <a:latin typeface="Roboto"/>
-              <a:ea typeface="Roboto"/>
-              <a:cs typeface="Roboto"/>
-              <a:sym typeface="Roboto"/>
-            </a:endParaRPr>
-          </a:p>
-        </p:txBody>
-      </p:sp>
-    </p:spTree>
-    <p:extLst>
-      <p:ext uri="{BB962C8B-B14F-4D97-AF65-F5344CB8AC3E}">
-        <p14:creationId xmlns:p14="http://schemas.microsoft.com/office/powerpoint/2010/main" val="2261031627"/>
-      </p:ext>
-    </p:extLst>
-  </p:cSld>
-  <p:clrMapOvr>
-    <a:masterClrMapping/>
-  </p:clrMapOvr>
-</p:sld>
-</file>
-
 <file path=ppt/slides/slide2.xml><?xml version="1.0" encoding="utf-8"?>
 <p:sld xmlns:a="http://schemas.openxmlformats.org/drawingml/2006/main" xmlns:r="http://schemas.openxmlformats.org/officeDocument/2006/relationships" xmlns:p="http://schemas.openxmlformats.org/presentationml/2006/main">
   <p:cSld>
@@ -11583,6 +10170,36 @@
           </a:p>
         </p:txBody>
       </p:sp>
+      <p:pic>
+        <p:nvPicPr>
+          <p:cNvPr id="4" name="Image 3">
+            <a:extLst>
+              <a:ext uri="{FF2B5EF4-FFF2-40B4-BE49-F238E27FC236}">
+                <a16:creationId xmlns:a16="http://schemas.microsoft.com/office/drawing/2014/main" id="{5E0EFB76-B286-45B8-ACC1-E1E9254012E3}"/>
+              </a:ext>
+            </a:extLst>
+          </p:cNvPr>
+          <p:cNvPicPr>
+            <a:picLocks noChangeAspect="1"/>
+          </p:cNvPicPr>
+          <p:nvPr/>
+        </p:nvPicPr>
+        <p:blipFill>
+          <a:blip r:embed="rId14"/>
+          <a:stretch>
+            <a:fillRect/>
+          </a:stretch>
+        </p:blipFill>
+        <p:spPr>
+          <a:xfrm>
+            <a:off x="2400299" y="1783711"/>
+            <a:ext cx="4200525" cy="2872109"/>
+          </a:xfrm>
+          <a:prstGeom prst="rect">
+            <a:avLst/>
+          </a:prstGeom>
+        </p:spPr>
+      </p:pic>
     </p:spTree>
     <p:extLst>
       <p:ext uri="{BB962C8B-B14F-4D97-AF65-F5344CB8AC3E}">
@@ -11613,6 +10230,36 @@
           <a:chExt cx="0" cy="0"/>
         </a:xfrm>
       </p:grpSpPr>
+      <p:pic>
+        <p:nvPicPr>
+          <p:cNvPr id="6" name="Image 5">
+            <a:extLst>
+              <a:ext uri="{FF2B5EF4-FFF2-40B4-BE49-F238E27FC236}">
+                <a16:creationId xmlns:a16="http://schemas.microsoft.com/office/drawing/2014/main" id="{4435DCA8-A0CB-4812-AD47-E4CF8D333C90}"/>
+              </a:ext>
+            </a:extLst>
+          </p:cNvPr>
+          <p:cNvPicPr>
+            <a:picLocks noChangeAspect="1"/>
+          </p:cNvPicPr>
+          <p:nvPr/>
+        </p:nvPicPr>
+        <p:blipFill>
+          <a:blip r:embed="rId14"/>
+          <a:stretch>
+            <a:fillRect/>
+          </a:stretch>
+        </p:blipFill>
+        <p:spPr>
+          <a:xfrm>
+            <a:off x="3001616" y="1520340"/>
+            <a:ext cx="2682647" cy="3623160"/>
+          </a:xfrm>
+          <a:prstGeom prst="rect">
+            <a:avLst/>
+          </a:prstGeom>
+        </p:spPr>
+      </p:pic>
       <p:sp>
         <p:nvSpPr>
           <p:cNvPr id="30" name="Shape 55"/>
@@ -12189,6 +10836,36 @@
           </a:p>
         </p:txBody>
       </p:sp>
+      <p:pic>
+        <p:nvPicPr>
+          <p:cNvPr id="4" name="Image 3">
+            <a:extLst>
+              <a:ext uri="{FF2B5EF4-FFF2-40B4-BE49-F238E27FC236}">
+                <a16:creationId xmlns:a16="http://schemas.microsoft.com/office/drawing/2014/main" id="{0262F072-B790-4ED7-B2F6-7824F28E1638}"/>
+              </a:ext>
+            </a:extLst>
+          </p:cNvPr>
+          <p:cNvPicPr>
+            <a:picLocks noChangeAspect="1"/>
+          </p:cNvPicPr>
+          <p:nvPr/>
+        </p:nvPicPr>
+        <p:blipFill>
+          <a:blip r:embed="rId15"/>
+          <a:stretch>
+            <a:fillRect/>
+          </a:stretch>
+        </p:blipFill>
+        <p:spPr>
+          <a:xfrm>
+            <a:off x="2455935" y="1521264"/>
+            <a:ext cx="3785256" cy="3622235"/>
+          </a:xfrm>
+          <a:prstGeom prst="rect">
+            <a:avLst/>
+          </a:prstGeom>
+        </p:spPr>
+      </p:pic>
     </p:spTree>
     <p:extLst>
       <p:ext uri="{BB962C8B-B14F-4D97-AF65-F5344CB8AC3E}">
@@ -12199,6 +10876,81 @@
   <p:clrMapOvr>
     <a:masterClrMapping/>
   </p:clrMapOvr>
+  <p:timing>
+    <p:tnLst>
+      <p:par>
+        <p:cTn id="1" dur="indefinite" restart="never" nodeType="tmRoot">
+          <p:childTnLst>
+            <p:seq concurrent="1" nextAc="seek">
+              <p:cTn id="2" dur="indefinite" nodeType="mainSeq">
+                <p:childTnLst>
+                  <p:par>
+                    <p:cTn id="3" fill="hold">
+                      <p:stCondLst>
+                        <p:cond delay="indefinite"/>
+                      </p:stCondLst>
+                      <p:childTnLst>
+                        <p:par>
+                          <p:cTn id="4" fill="hold">
+                            <p:stCondLst>
+                              <p:cond delay="0"/>
+                            </p:stCondLst>
+                            <p:childTnLst>
+                              <p:par>
+                                <p:cTn id="5" presetID="1" presetClass="exit" presetSubtype="0" fill="hold" nodeType="clickEffect">
+                                  <p:stCondLst>
+                                    <p:cond delay="0"/>
+                                  </p:stCondLst>
+                                  <p:childTnLst>
+                                    <p:set>
+                                      <p:cBhvr>
+                                        <p:cTn id="6" dur="1" fill="hold">
+                                          <p:stCondLst>
+                                            <p:cond delay="0"/>
+                                          </p:stCondLst>
+                                        </p:cTn>
+                                        <p:tgtEl>
+                                          <p:spTgt spid="4"/>
+                                        </p:tgtEl>
+                                        <p:attrNameLst>
+                                          <p:attrName>style.visibility</p:attrName>
+                                        </p:attrNameLst>
+                                      </p:cBhvr>
+                                      <p:to>
+                                        <p:strVal val="hidden"/>
+                                      </p:to>
+                                    </p:set>
+                                  </p:childTnLst>
+                                </p:cTn>
+                              </p:par>
+                            </p:childTnLst>
+                          </p:cTn>
+                        </p:par>
+                      </p:childTnLst>
+                    </p:cTn>
+                  </p:par>
+                </p:childTnLst>
+              </p:cTn>
+              <p:prevCondLst>
+                <p:cond evt="onPrev" delay="0">
+                  <p:tgtEl>
+                    <p:sldTgt/>
+                  </p:tgtEl>
+                </p:cond>
+              </p:prevCondLst>
+              <p:nextCondLst>
+                <p:cond evt="onNext" delay="0">
+                  <p:tgtEl>
+                    <p:sldTgt/>
+                  </p:tgtEl>
+                </p:cond>
+              </p:nextCondLst>
+            </p:seq>
+          </p:childTnLst>
+        </p:cTn>
+      </p:par>
+    </p:tnLst>
+  </p:timing>
 </p:sld>
 </file>
 
@@ -12351,7 +11103,7 @@
         </p:nvSpPr>
         <p:spPr>
           <a:xfrm>
-            <a:off x="5376750" y="1483165"/>
+            <a:off x="6843600" y="1483165"/>
             <a:ext cx="1512000" cy="38100"/>
           </a:xfrm>
           <a:prstGeom prst="rect">
@@ -12795,10 +11547,349 @@
           </a:p>
         </p:txBody>
       </p:sp>
+      <p:sp>
+        <p:nvSpPr>
+          <p:cNvPr id="13" name="Shape 58">
+            <a:extLst>
+              <a:ext uri="{FF2B5EF4-FFF2-40B4-BE49-F238E27FC236}">
+                <a16:creationId xmlns:a16="http://schemas.microsoft.com/office/drawing/2014/main" id="{478A88A6-A1CE-42A9-A3FD-D7042C96F7E5}"/>
+              </a:ext>
+            </a:extLst>
+          </p:cNvPr>
+          <p:cNvSpPr txBox="1">
+            <a:spLocks/>
+          </p:cNvSpPr>
+          <p:nvPr>
+            <p:custDataLst>
+              <p:tags r:id="rId12"/>
+            </p:custDataLst>
+          </p:nvPr>
+        </p:nvSpPr>
+        <p:spPr>
+          <a:xfrm>
+            <a:off x="2509500" y="3438553"/>
+            <a:ext cx="4125000" cy="1224672"/>
+          </a:xfrm>
+          <a:prstGeom prst="rect">
+            <a:avLst/>
+          </a:prstGeom>
+          <a:noFill/>
+          <a:ln>
+            <a:noFill/>
+          </a:ln>
+        </p:spPr>
+        <p:txBody>
+          <a:bodyPr spcFirstLastPara="1" wrap="square" lIns="91425" tIns="91425" rIns="91425" bIns="91425" anchor="ctr" anchorCtr="0">
+            <a:noAutofit/>
+          </a:bodyPr>
+          <a:lstStyle>
+            <a:defPPr marR="0" lvl="0" algn="l" rtl="0">
+              <a:lnSpc>
+                <a:spcPct val="100000"/>
+              </a:lnSpc>
+              <a:spcBef>
+                <a:spcPts val="0"/>
+              </a:spcBef>
+              <a:spcAft>
+                <a:spcPts val="0"/>
+              </a:spcAft>
+            </a:defPPr>
+            <a:lvl1pPr marL="457200" marR="0" lvl="0" indent="-342900" algn="l" rtl="0">
+              <a:lnSpc>
+                <a:spcPct val="115000"/>
+              </a:lnSpc>
+              <a:spcBef>
+                <a:spcPts val="0"/>
+              </a:spcBef>
+              <a:spcAft>
+                <a:spcPts val="0"/>
+              </a:spcAft>
+              <a:buClr>
+                <a:schemeClr val="dk2"/>
+              </a:buClr>
+              <a:buSzPts val="1800"/>
+              <a:buChar char="●"/>
+              <a:defRPr sz="1800" b="0" i="0" u="none" strike="noStrike" cap="none">
+                <a:solidFill>
+                  <a:schemeClr val="dk2"/>
+                </a:solidFill>
+                <a:latin typeface="Arial"/>
+                <a:ea typeface="Arial"/>
+                <a:cs typeface="Arial"/>
+                <a:sym typeface="Arial"/>
+              </a:defRPr>
+            </a:lvl1pPr>
+            <a:lvl2pPr marL="914400" marR="0" lvl="1" indent="-317500" algn="l" rtl="0">
+              <a:lnSpc>
+                <a:spcPct val="115000"/>
+              </a:lnSpc>
+              <a:spcBef>
+                <a:spcPts val="1600"/>
+              </a:spcBef>
+              <a:spcAft>
+                <a:spcPts val="0"/>
+              </a:spcAft>
+              <a:buClr>
+                <a:schemeClr val="dk2"/>
+              </a:buClr>
+              <a:buSzPts val="1400"/>
+              <a:buChar char="○"/>
+              <a:defRPr sz="1400" b="0" i="0" u="none" strike="noStrike" cap="none">
+                <a:solidFill>
+                  <a:schemeClr val="dk2"/>
+                </a:solidFill>
+                <a:latin typeface="Arial"/>
+                <a:ea typeface="Arial"/>
+                <a:cs typeface="Arial"/>
+                <a:sym typeface="Arial"/>
+              </a:defRPr>
+            </a:lvl2pPr>
+            <a:lvl3pPr marL="1371600" marR="0" lvl="2" indent="-317500" algn="l" rtl="0">
+              <a:lnSpc>
+                <a:spcPct val="115000"/>
+              </a:lnSpc>
+              <a:spcBef>
+                <a:spcPts val="1600"/>
+              </a:spcBef>
+              <a:spcAft>
+                <a:spcPts val="0"/>
+              </a:spcAft>
+              <a:buClr>
+                <a:schemeClr val="dk2"/>
+              </a:buClr>
+              <a:buSzPts val="1400"/>
+              <a:buChar char="■"/>
+              <a:defRPr sz="1400" b="0" i="0" u="none" strike="noStrike" cap="none">
+                <a:solidFill>
+                  <a:schemeClr val="dk2"/>
+                </a:solidFill>
+                <a:latin typeface="Arial"/>
+                <a:ea typeface="Arial"/>
+                <a:cs typeface="Arial"/>
+                <a:sym typeface="Arial"/>
+              </a:defRPr>
+            </a:lvl3pPr>
+            <a:lvl4pPr marL="1828800" marR="0" lvl="3" indent="-317500" algn="l" rtl="0">
+              <a:lnSpc>
+                <a:spcPct val="115000"/>
+              </a:lnSpc>
+              <a:spcBef>
+                <a:spcPts val="1600"/>
+              </a:spcBef>
+              <a:spcAft>
+                <a:spcPts val="0"/>
+              </a:spcAft>
+              <a:buClr>
+                <a:schemeClr val="dk2"/>
+              </a:buClr>
+              <a:buSzPts val="1400"/>
+              <a:buChar char="●"/>
+              <a:defRPr sz="1400" b="0" i="0" u="none" strike="noStrike" cap="none">
+                <a:solidFill>
+                  <a:schemeClr val="dk2"/>
+                </a:solidFill>
+                <a:latin typeface="Arial"/>
+                <a:ea typeface="Arial"/>
+                <a:cs typeface="Arial"/>
+                <a:sym typeface="Arial"/>
+              </a:defRPr>
+            </a:lvl4pPr>
+            <a:lvl5pPr marL="2286000" marR="0" lvl="4" indent="-317500" algn="l" rtl="0">
+              <a:lnSpc>
+                <a:spcPct val="115000"/>
+              </a:lnSpc>
+              <a:spcBef>
+                <a:spcPts val="1600"/>
+              </a:spcBef>
+              <a:spcAft>
+                <a:spcPts val="0"/>
+              </a:spcAft>
+              <a:buClr>
+                <a:schemeClr val="dk2"/>
+              </a:buClr>
+              <a:buSzPts val="1400"/>
+              <a:buChar char="○"/>
+              <a:defRPr sz="1400" b="0" i="0" u="none" strike="noStrike" cap="none">
+                <a:solidFill>
+                  <a:schemeClr val="dk2"/>
+                </a:solidFill>
+                <a:latin typeface="Arial"/>
+                <a:ea typeface="Arial"/>
+                <a:cs typeface="Arial"/>
+                <a:sym typeface="Arial"/>
+              </a:defRPr>
+            </a:lvl5pPr>
+            <a:lvl6pPr marL="2743200" marR="0" lvl="5" indent="-317500" algn="l" rtl="0">
+              <a:lnSpc>
+                <a:spcPct val="115000"/>
+              </a:lnSpc>
+              <a:spcBef>
+                <a:spcPts val="1600"/>
+              </a:spcBef>
+              <a:spcAft>
+                <a:spcPts val="0"/>
+              </a:spcAft>
+              <a:buClr>
+                <a:schemeClr val="dk2"/>
+              </a:buClr>
+              <a:buSzPts val="1400"/>
+              <a:buChar char="■"/>
+              <a:defRPr sz="1400" b="0" i="0" u="none" strike="noStrike" cap="none">
+                <a:solidFill>
+                  <a:schemeClr val="dk2"/>
+                </a:solidFill>
+                <a:latin typeface="Arial"/>
+                <a:ea typeface="Arial"/>
+                <a:cs typeface="Arial"/>
+                <a:sym typeface="Arial"/>
+              </a:defRPr>
+            </a:lvl6pPr>
+            <a:lvl7pPr marL="3200400" marR="0" lvl="6" indent="-317500" algn="l" rtl="0">
+              <a:lnSpc>
+                <a:spcPct val="115000"/>
+              </a:lnSpc>
+              <a:spcBef>
+                <a:spcPts val="1600"/>
+              </a:spcBef>
+              <a:spcAft>
+                <a:spcPts val="0"/>
+              </a:spcAft>
+              <a:buClr>
+                <a:schemeClr val="dk2"/>
+              </a:buClr>
+              <a:buSzPts val="1400"/>
+              <a:buChar char="●"/>
+              <a:defRPr sz="1400" b="0" i="0" u="none" strike="noStrike" cap="none">
+                <a:solidFill>
+                  <a:schemeClr val="dk2"/>
+                </a:solidFill>
+                <a:latin typeface="Arial"/>
+                <a:ea typeface="Arial"/>
+                <a:cs typeface="Arial"/>
+                <a:sym typeface="Arial"/>
+              </a:defRPr>
+            </a:lvl7pPr>
+            <a:lvl8pPr marL="3657600" marR="0" lvl="7" indent="-317500" algn="l" rtl="0">
+              <a:lnSpc>
+                <a:spcPct val="115000"/>
+              </a:lnSpc>
+              <a:spcBef>
+                <a:spcPts val="1600"/>
+              </a:spcBef>
+              <a:spcAft>
+                <a:spcPts val="0"/>
+              </a:spcAft>
+              <a:buClr>
+                <a:schemeClr val="dk2"/>
+              </a:buClr>
+              <a:buSzPts val="1400"/>
+              <a:buChar char="○"/>
+              <a:defRPr sz="1400" b="0" i="0" u="none" strike="noStrike" cap="none">
+                <a:solidFill>
+                  <a:schemeClr val="dk2"/>
+                </a:solidFill>
+                <a:latin typeface="Arial"/>
+                <a:ea typeface="Arial"/>
+                <a:cs typeface="Arial"/>
+                <a:sym typeface="Arial"/>
+              </a:defRPr>
+            </a:lvl8pPr>
+            <a:lvl9pPr marL="4114800" marR="0" lvl="8" indent="-317500" algn="l" rtl="0">
+              <a:lnSpc>
+                <a:spcPct val="115000"/>
+              </a:lnSpc>
+              <a:spcBef>
+                <a:spcPts val="1600"/>
+              </a:spcBef>
+              <a:spcAft>
+                <a:spcPts val="1600"/>
+              </a:spcAft>
+              <a:buClr>
+                <a:schemeClr val="dk2"/>
+              </a:buClr>
+              <a:buSzPts val="1400"/>
+              <a:buChar char="■"/>
+              <a:defRPr sz="1400" b="0" i="0" u="none" strike="noStrike" cap="none">
+                <a:solidFill>
+                  <a:schemeClr val="dk2"/>
+                </a:solidFill>
+                <a:latin typeface="Arial"/>
+                <a:ea typeface="Arial"/>
+                <a:cs typeface="Arial"/>
+                <a:sym typeface="Arial"/>
+              </a:defRPr>
+            </a:lvl9pPr>
+          </a:lstStyle>
+          <a:p>
+            <a:pPr marL="0" indent="0" algn="ctr">
+              <a:lnSpc>
+                <a:spcPct val="100000"/>
+              </a:lnSpc>
+              <a:spcBef>
+                <a:spcPts val="1600"/>
+              </a:spcBef>
+              <a:spcAft>
+                <a:spcPts val="1600"/>
+              </a:spcAft>
+              <a:buFontTx/>
+              <a:buNone/>
+            </a:pPr>
+            <a:r>
+              <a:rPr lang="fr-FR" sz="2400" dirty="0">
+                <a:latin typeface="Roboto"/>
+                <a:ea typeface="Roboto"/>
+                <a:cs typeface="Roboto"/>
+                <a:sym typeface="Roboto"/>
+              </a:rPr>
+              <a:t>Merci pour votre écoute.</a:t>
+            </a:r>
+            <a:endParaRPr lang="fr" sz="2400" dirty="0">
+              <a:latin typeface="Roboto"/>
+              <a:ea typeface="Roboto"/>
+              <a:cs typeface="Roboto"/>
+              <a:sym typeface="Roboto"/>
+            </a:endParaRPr>
+          </a:p>
+        </p:txBody>
+      </p:sp>
+      <p:pic>
+        <p:nvPicPr>
+          <p:cNvPr id="14" name="Image 13">
+            <a:extLst>
+              <a:ext uri="{FF2B5EF4-FFF2-40B4-BE49-F238E27FC236}">
+                <a16:creationId xmlns:a16="http://schemas.microsoft.com/office/drawing/2014/main" id="{83CBA96B-B975-49FE-B6BC-F1E1AB74F04D}"/>
+              </a:ext>
+            </a:extLst>
+          </p:cNvPr>
+          <p:cNvPicPr>
+            <a:picLocks noChangeAspect="1"/>
+          </p:cNvPicPr>
+          <p:nvPr>
+            <p:custDataLst>
+              <p:tags r:id="rId13"/>
+            </p:custDataLst>
+          </p:nvPr>
+        </p:nvPicPr>
+        <p:blipFill>
+          <a:blip r:embed="rId16"/>
+          <a:stretch>
+            <a:fillRect/>
+          </a:stretch>
+        </p:blipFill>
+        <p:spPr>
+          <a:xfrm>
+            <a:off x="3358125" y="1694033"/>
+            <a:ext cx="2427750" cy="2427750"/>
+          </a:xfrm>
+          <a:prstGeom prst="rect">
+            <a:avLst/>
+          </a:prstGeom>
+        </p:spPr>
+      </p:pic>
     </p:spTree>
     <p:extLst>
       <p:ext uri="{BB962C8B-B14F-4D97-AF65-F5344CB8AC3E}">
-        <p14:creationId xmlns:p14="http://schemas.microsoft.com/office/powerpoint/2010/main" val="3413549111"/>
+        <p14:creationId xmlns:p14="http://schemas.microsoft.com/office/powerpoint/2010/main" val="3827992628"/>
       </p:ext>
     </p:extLst>
   </p:cSld>
@@ -12817,54 +11908,6 @@
 <file path=ppt/tags/tag10.xml><?xml version="1.0" encoding="utf-8"?>
 <p:tagLst xmlns:a="http://schemas.openxmlformats.org/drawingml/2006/main" xmlns:r="http://schemas.openxmlformats.org/officeDocument/2006/relationships" xmlns:p="http://schemas.openxmlformats.org/presentationml/2006/main">
   <p:tag name="NUM" val="7"/>
-</p:tagLst>
-</file>
-
-<file path=ppt/tags/tag100.xml><?xml version="1.0" encoding="utf-8"?>
-<p:tagLst xmlns:a="http://schemas.openxmlformats.org/drawingml/2006/main" xmlns:r="http://schemas.openxmlformats.org/officeDocument/2006/relationships" xmlns:p="http://schemas.openxmlformats.org/presentationml/2006/main">
-  <p:tag name="NUM" val="11"/>
-</p:tagLst>
-</file>
-
-<file path=ppt/tags/tag101.xml><?xml version="1.0" encoding="utf-8"?>
-<p:tagLst xmlns:a="http://schemas.openxmlformats.org/drawingml/2006/main" xmlns:r="http://schemas.openxmlformats.org/officeDocument/2006/relationships" xmlns:p="http://schemas.openxmlformats.org/presentationml/2006/main">
-  <p:tag name="NUM" val="11"/>
-</p:tagLst>
-</file>
-
-<file path=ppt/tags/tag102.xml><?xml version="1.0" encoding="utf-8"?>
-<p:tagLst xmlns:a="http://schemas.openxmlformats.org/drawingml/2006/main" xmlns:r="http://schemas.openxmlformats.org/officeDocument/2006/relationships" xmlns:p="http://schemas.openxmlformats.org/presentationml/2006/main">
-  <p:tag name="NUM" val="2"/>
-</p:tagLst>
-</file>
-
-<file path=ppt/tags/tag103.xml><?xml version="1.0" encoding="utf-8"?>
-<p:tagLst xmlns:a="http://schemas.openxmlformats.org/drawingml/2006/main" xmlns:r="http://schemas.openxmlformats.org/officeDocument/2006/relationships" xmlns:p="http://schemas.openxmlformats.org/presentationml/2006/main">
-  <p:tag name="NUM" val="3"/>
-</p:tagLst>
-</file>
-
-<file path=ppt/tags/tag104.xml><?xml version="1.0" encoding="utf-8"?>
-<p:tagLst xmlns:a="http://schemas.openxmlformats.org/drawingml/2006/main" xmlns:r="http://schemas.openxmlformats.org/officeDocument/2006/relationships" xmlns:p="http://schemas.openxmlformats.org/presentationml/2006/main">
-  <p:tag name="NUM" val="6"/>
-</p:tagLst>
-</file>
-
-<file path=ppt/tags/tag105.xml><?xml version="1.0" encoding="utf-8"?>
-<p:tagLst xmlns:a="http://schemas.openxmlformats.org/drawingml/2006/main" xmlns:r="http://schemas.openxmlformats.org/officeDocument/2006/relationships" xmlns:p="http://schemas.openxmlformats.org/presentationml/2006/main">
-  <p:tag name="NUM" val="7"/>
-</p:tagLst>
-</file>
-
-<file path=ppt/tags/tag106.xml><?xml version="1.0" encoding="utf-8"?>
-<p:tagLst xmlns:a="http://schemas.openxmlformats.org/drawingml/2006/main" xmlns:r="http://schemas.openxmlformats.org/officeDocument/2006/relationships" xmlns:p="http://schemas.openxmlformats.org/presentationml/2006/main">
-  <p:tag name="NUM" val="2"/>
-</p:tagLst>
-</file>
-
-<file path=ppt/tags/tag107.xml><?xml version="1.0" encoding="utf-8"?>
-<p:tagLst xmlns:a="http://schemas.openxmlformats.org/drawingml/2006/main" xmlns:r="http://schemas.openxmlformats.org/officeDocument/2006/relationships" xmlns:p="http://schemas.openxmlformats.org/presentationml/2006/main">
-  <p:tag name="NUM" val="1"/>
 </p:tagLst>
 </file>
 
@@ -13398,55 +12441,13 @@
 
 <file path=ppt/tags/tag91.xml><?xml version="1.0" encoding="utf-8"?>
 <p:tagLst xmlns:a="http://schemas.openxmlformats.org/drawingml/2006/main" xmlns:r="http://schemas.openxmlformats.org/officeDocument/2006/relationships" xmlns:p="http://schemas.openxmlformats.org/presentationml/2006/main">
-  <p:tag name="NUM" val="1"/>
+  <p:tag name="NUM" val="6"/>
 </p:tagLst>
 </file>
 
 <file path=ppt/tags/tag92.xml><?xml version="1.0" encoding="utf-8"?>
 <p:tagLst xmlns:a="http://schemas.openxmlformats.org/drawingml/2006/main" xmlns:r="http://schemas.openxmlformats.org/officeDocument/2006/relationships" xmlns:p="http://schemas.openxmlformats.org/presentationml/2006/main">
-  <p:tag name="NUM" val="3"/>
-</p:tagLst>
-</file>
-
-<file path=ppt/tags/tag93.xml><?xml version="1.0" encoding="utf-8"?>
-<p:tagLst xmlns:a="http://schemas.openxmlformats.org/drawingml/2006/main" xmlns:r="http://schemas.openxmlformats.org/officeDocument/2006/relationships" xmlns:p="http://schemas.openxmlformats.org/presentationml/2006/main">
-  <p:tag name="NUM" val="4"/>
-</p:tagLst>
-</file>
-
-<file path=ppt/tags/tag94.xml><?xml version="1.0" encoding="utf-8"?>
-<p:tagLst xmlns:a="http://schemas.openxmlformats.org/drawingml/2006/main" xmlns:r="http://schemas.openxmlformats.org/officeDocument/2006/relationships" xmlns:p="http://schemas.openxmlformats.org/presentationml/2006/main">
-  <p:tag name="NUM" val="5"/>
-</p:tagLst>
-</file>
-
-<file path=ppt/tags/tag95.xml><?xml version="1.0" encoding="utf-8"?>
-<p:tagLst xmlns:a="http://schemas.openxmlformats.org/drawingml/2006/main" xmlns:r="http://schemas.openxmlformats.org/officeDocument/2006/relationships" xmlns:p="http://schemas.openxmlformats.org/presentationml/2006/main">
   <p:tag name="NUM" val="7"/>
-</p:tagLst>
-</file>
-
-<file path=ppt/tags/tag96.xml><?xml version="1.0" encoding="utf-8"?>
-<p:tagLst xmlns:a="http://schemas.openxmlformats.org/drawingml/2006/main" xmlns:r="http://schemas.openxmlformats.org/officeDocument/2006/relationships" xmlns:p="http://schemas.openxmlformats.org/presentationml/2006/main">
-  <p:tag name="NUM" val="11"/>
-</p:tagLst>
-</file>
-
-<file path=ppt/tags/tag97.xml><?xml version="1.0" encoding="utf-8"?>
-<p:tagLst xmlns:a="http://schemas.openxmlformats.org/drawingml/2006/main" xmlns:r="http://schemas.openxmlformats.org/officeDocument/2006/relationships" xmlns:p="http://schemas.openxmlformats.org/presentationml/2006/main">
-  <p:tag name="NUM" val="12"/>
-</p:tagLst>
-</file>
-
-<file path=ppt/tags/tag98.xml><?xml version="1.0" encoding="utf-8"?>
-<p:tagLst xmlns:a="http://schemas.openxmlformats.org/drawingml/2006/main" xmlns:r="http://schemas.openxmlformats.org/officeDocument/2006/relationships" xmlns:p="http://schemas.openxmlformats.org/presentationml/2006/main">
-  <p:tag name="NUM" val="2"/>
-</p:tagLst>
-</file>
-
-<file path=ppt/tags/tag99.xml><?xml version="1.0" encoding="utf-8"?>
-<p:tagLst xmlns:a="http://schemas.openxmlformats.org/drawingml/2006/main" xmlns:r="http://schemas.openxmlformats.org/officeDocument/2006/relationships" xmlns:p="http://schemas.openxmlformats.org/presentationml/2006/main">
-  <p:tag name="NUM" val="11"/>
 </p:tagLst>
 </file>
 
